--- a/docs/week-6-graph-algorithms/ce205-week-6-graph-algorithms.md_word.pptx
+++ b/docs/week-6-graph-algorithms/ce205-week-6-graph-algorithms.md_word.pptx
@@ -11,6 +11,31 @@
     <p:sldId id="259" r:id="rId5"/>
     <p:sldId id="260" r:id="rId6"/>
     <p:sldId id="261" r:id="rId7"/>
+    <p:sldId id="262" r:id="rId8"/>
+    <p:sldId id="263" r:id="rId9"/>
+    <p:sldId id="264" r:id="rId10"/>
+    <p:sldId id="265" r:id="rId11"/>
+    <p:sldId id="266" r:id="rId12"/>
+    <p:sldId id="267" r:id="rId13"/>
+    <p:sldId id="268" r:id="rId14"/>
+    <p:sldId id="269" r:id="rId15"/>
+    <p:sldId id="270" r:id="rId16"/>
+    <p:sldId id="271" r:id="rId17"/>
+    <p:sldId id="272" r:id="rId18"/>
+    <p:sldId id="273" r:id="rId19"/>
+    <p:sldId id="274" r:id="rId20"/>
+    <p:sldId id="275" r:id="rId21"/>
+    <p:sldId id="276" r:id="rId22"/>
+    <p:sldId id="277" r:id="rId23"/>
+    <p:sldId id="278" r:id="rId24"/>
+    <p:sldId id="279" r:id="rId25"/>
+    <p:sldId id="280" r:id="rId26"/>
+    <p:sldId id="281" r:id="rId27"/>
+    <p:sldId id="282" r:id="rId28"/>
+    <p:sldId id="283" r:id="rId29"/>
+    <p:sldId id="284" r:id="rId30"/>
+    <p:sldId id="285" r:id="rId31"/>
+    <p:sldId id="286" r:id="rId32"/>
   </p:sldIdLst>
   <p:sldSz cx="9144000" cy="6858000" type="screen4x3"/>
   <p:notesSz cx="6858000" cy="9144000"/>
@@ -3212,6 +3237,853 @@
 </p:sld>
 </file>
 
+<file path=ppt/slides/slide10.xml><?xml version="1.0" encoding="utf-8"?>
+<p:sld xmlns:a="http://schemas.openxmlformats.org/drawingml/2006/main" xmlns:r="http://schemas.openxmlformats.org/officeDocument/2006/relationships" xmlns:p="http://schemas.openxmlformats.org/presentationml/2006/main">
+  <p:cSld>
+    <p:spTree>
+      <p:nvGrpSpPr>
+        <p:cNvPr id="1" name=""/>
+        <p:cNvGrpSpPr/>
+        <p:nvPr/>
+      </p:nvGrpSpPr>
+      <p:grpSpPr>
+        <a:xfrm>
+          <a:off x="0" y="0"/>
+          <a:ext cx="0" cy="0"/>
+          <a:chOff x="0" y="0"/>
+          <a:chExt cx="0" cy="0"/>
+        </a:xfrm>
+      </p:grpSpPr>
+      <p:sp>
+        <p:nvSpPr>
+          <p:cNvPr id="2" name="Title 1"/>
+          <p:cNvSpPr>
+            <a:spLocks noGrp="1"/>
+          </p:cNvSpPr>
+          <p:nvPr>
+            <p:ph type="title"/>
+          </p:nvPr>
+        </p:nvSpPr>
+        <p:spPr/>
+        <p:txBody>
+          <a:bodyPr/>
+          <a:lstStyle/>
+          <a:p>
+            <a:pPr lvl="0" indent="0" marL="0">
+              <a:buNone/>
+            </a:pPr>
+            <a:r>
+              <a:rPr/>
+              <a:t>Graph Topological Sorting</a:t>
+            </a:r>
+          </a:p>
+        </p:txBody>
+      </p:sp>
+      <p:sp>
+        <p:nvSpPr>
+          <p:cNvPr id="3" name="Content Placeholder 2"/>
+          <p:cNvSpPr>
+            <a:spLocks noGrp="1"/>
+          </p:cNvSpPr>
+          <p:nvPr>
+            <p:ph idx="1"/>
+          </p:nvPr>
+        </p:nvSpPr>
+        <p:spPr/>
+        <p:txBody>
+          <a:bodyPr/>
+          <a:lstStyle/>
+          <a:p>
+            <a:pPr lvl="0"/>
+            <a:r>
+              <a:rPr/>
+              <a:t>CE100</a:t>
+            </a:r>
+          </a:p>
+          <a:p>
+            <a:pPr lvl="1"/>
+            <a:r>
+              <a:rPr/>
+              <a:t>https://ucoruh.github.io/ce100-algorithms-and-programming-II/week-10/ce100-week-10-graphs/?h=topolo#directed-acyclic-graphs-dag</a:t>
+            </a:r>
+          </a:p>
+          <a:p>
+            <a:pPr lvl="0"/>
+            <a:r>
+              <a:rPr/>
+              <a:t>Geeks for Geeks</a:t>
+            </a:r>
+          </a:p>
+          <a:p>
+            <a:pPr lvl="1"/>
+            <a:r>
+              <a:rPr/>
+              <a:t>https://www.geeksforgeeks.org/topological-sorting/</a:t>
+            </a:r>
+          </a:p>
+        </p:txBody>
+      </p:sp>
+    </p:spTree>
+  </p:cSld>
+</p:sld>
+</file>
+
+<file path=ppt/slides/slide11.xml><?xml version="1.0" encoding="utf-8"?>
+<p:sld xmlns:a="http://schemas.openxmlformats.org/drawingml/2006/main" xmlns:r="http://schemas.openxmlformats.org/officeDocument/2006/relationships" xmlns:p="http://schemas.openxmlformats.org/presentationml/2006/main">
+  <p:cSld>
+    <p:spTree>
+      <p:nvGrpSpPr>
+        <p:cNvPr id="1" name=""/>
+        <p:cNvGrpSpPr/>
+        <p:nvPr/>
+      </p:nvGrpSpPr>
+      <p:grpSpPr>
+        <a:xfrm>
+          <a:off x="0" y="0"/>
+          <a:ext cx="0" cy="0"/>
+          <a:chOff x="0" y="0"/>
+          <a:chExt cx="0" cy="0"/>
+        </a:xfrm>
+      </p:grpSpPr>
+      <p:sp>
+        <p:nvSpPr>
+          <p:cNvPr id="2" name="Title 1"/>
+          <p:cNvSpPr>
+            <a:spLocks noGrp="1"/>
+          </p:cNvSpPr>
+          <p:nvPr>
+            <p:ph type="title"/>
+          </p:nvPr>
+        </p:nvSpPr>
+        <p:spPr/>
+        <p:txBody>
+          <a:bodyPr/>
+          <a:lstStyle/>
+          <a:p>
+            <a:pPr lvl="0" indent="0" marL="0">
+              <a:buNone/>
+            </a:pPr>
+            <a:r>
+              <a:rPr/>
+              <a:t>Graph MST</a:t>
+            </a:r>
+          </a:p>
+        </p:txBody>
+      </p:sp>
+      <p:sp>
+        <p:nvSpPr>
+          <p:cNvPr id="3" name="Content Placeholder 2"/>
+          <p:cNvSpPr>
+            <a:spLocks noGrp="1"/>
+          </p:cNvSpPr>
+          <p:nvPr>
+            <p:ph idx="1"/>
+          </p:nvPr>
+        </p:nvSpPr>
+        <p:spPr/>
+        <p:txBody>
+          <a:bodyPr/>
+          <a:lstStyle/>
+          <a:p>
+            <a:pPr lvl="0"/>
+            <a:r>
+              <a:rPr/>
+              <a:t>CE100</a:t>
+            </a:r>
+          </a:p>
+          <a:p>
+            <a:pPr lvl="1"/>
+            <a:r>
+              <a:rPr/>
+              <a:t>https://ucoruh.github.io/ce100-algorithms-and-programming-II/week-10/ce100-week-10-graphs/?h=mst#minimum-spanning-tree-mst</a:t>
+            </a:r>
+          </a:p>
+          <a:p>
+            <a:pPr lvl="0"/>
+            <a:r>
+              <a:rPr/>
+              <a:t>Geeks for Geeks</a:t>
+            </a:r>
+          </a:p>
+          <a:p>
+            <a:pPr lvl="1"/>
+            <a:r>
+              <a:rPr/>
+              <a:t>https://www.geeksforgeeks.org/prims-minimum-spanning-tree-mst-greedy-algo-5/</a:t>
+            </a:r>
+          </a:p>
+        </p:txBody>
+      </p:sp>
+    </p:spTree>
+  </p:cSld>
+</p:sld>
+</file>
+
+<file path=ppt/slides/slide12.xml><?xml version="1.0" encoding="utf-8"?>
+<p:sld xmlns:a="http://schemas.openxmlformats.org/drawingml/2006/main" xmlns:r="http://schemas.openxmlformats.org/officeDocument/2006/relationships" xmlns:p="http://schemas.openxmlformats.org/presentationml/2006/main">
+  <p:cSld>
+    <p:spTree>
+      <p:nvGrpSpPr>
+        <p:cNvPr id="1" name=""/>
+        <p:cNvGrpSpPr/>
+        <p:nvPr/>
+      </p:nvGrpSpPr>
+      <p:grpSpPr>
+        <a:xfrm>
+          <a:off x="0" y="0"/>
+          <a:ext cx="0" cy="0"/>
+          <a:chOff x="0" y="0"/>
+          <a:chExt cx="0" cy="0"/>
+        </a:xfrm>
+      </p:grpSpPr>
+      <p:sp>
+        <p:nvSpPr>
+          <p:cNvPr id="2" name="Title 1"/>
+          <p:cNvSpPr>
+            <a:spLocks noGrp="1"/>
+          </p:cNvSpPr>
+          <p:nvPr>
+            <p:ph type="title"/>
+          </p:nvPr>
+        </p:nvSpPr>
+        <p:spPr/>
+        <p:txBody>
+          <a:bodyPr/>
+          <a:lstStyle/>
+          <a:p>
+            <a:pPr lvl="0" indent="0" marL="0">
+              <a:buNone/>
+            </a:pPr>
+            <a:r>
+              <a:rPr/>
+              <a:t>Graph Backtracking</a:t>
+            </a:r>
+          </a:p>
+        </p:txBody>
+      </p:sp>
+      <p:sp>
+        <p:nvSpPr>
+          <p:cNvPr id="3" name="Content Placeholder 2"/>
+          <p:cNvSpPr>
+            <a:spLocks noGrp="1"/>
+          </p:cNvSpPr>
+          <p:nvPr>
+            <p:ph idx="1"/>
+          </p:nvPr>
+        </p:nvSpPr>
+        <p:spPr/>
+        <p:txBody>
+          <a:bodyPr/>
+          <a:lstStyle/>
+          <a:p>
+            <a:pPr lvl="0"/>
+            <a:r>
+              <a:rPr/>
+              <a:t>Tug of War</a:t>
+            </a:r>
+          </a:p>
+          <a:p>
+            <a:pPr lvl="1"/>
+            <a:r>
+              <a:rPr/>
+              <a:t>Geeks for Geeks</a:t>
+            </a:r>
+          </a:p>
+          <a:p>
+            <a:pPr lvl="2"/>
+            <a:r>
+              <a:rPr/>
+              <a:t>https://www.geeksforgeeks.org/tug-of-war/</a:t>
+            </a:r>
+          </a:p>
+        </p:txBody>
+      </p:sp>
+    </p:spTree>
+  </p:cSld>
+</p:sld>
+</file>
+
+<file path=ppt/slides/slide13.xml><?xml version="1.0" encoding="utf-8"?>
+<p:sld xmlns:a="http://schemas.openxmlformats.org/drawingml/2006/main" xmlns:r="http://schemas.openxmlformats.org/officeDocument/2006/relationships" xmlns:p="http://schemas.openxmlformats.org/presentationml/2006/main">
+  <p:cSld>
+    <p:spTree>
+      <p:nvGrpSpPr>
+        <p:cNvPr id="1" name=""/>
+        <p:cNvGrpSpPr/>
+        <p:nvPr/>
+      </p:nvGrpSpPr>
+      <p:grpSpPr>
+        <a:xfrm>
+          <a:off x="0" y="0"/>
+          <a:ext cx="0" cy="0"/>
+          <a:chOff x="0" y="0"/>
+          <a:chExt cx="0" cy="0"/>
+        </a:xfrm>
+      </p:grpSpPr>
+      <p:sp>
+        <p:nvSpPr>
+          <p:cNvPr id="2" name="Title 1"/>
+          <p:cNvSpPr>
+            <a:spLocks noGrp="1"/>
+          </p:cNvSpPr>
+          <p:nvPr>
+            <p:ph type="title"/>
+          </p:nvPr>
+        </p:nvSpPr>
+        <p:spPr/>
+        <p:txBody>
+          <a:bodyPr/>
+          <a:lstStyle/>
+          <a:p>
+            <a:pPr lvl="0" indent="0" marL="0">
+              <a:buNone/>
+            </a:pPr>
+            <a:r>
+              <a:rPr/>
+              <a:t>Graph Backtracking</a:t>
+            </a:r>
+          </a:p>
+        </p:txBody>
+      </p:sp>
+      <p:sp>
+        <p:nvSpPr>
+          <p:cNvPr id="3" name="Content Placeholder 2"/>
+          <p:cNvSpPr>
+            <a:spLocks noGrp="1"/>
+          </p:cNvSpPr>
+          <p:nvPr>
+            <p:ph idx="1"/>
+          </p:nvPr>
+        </p:nvSpPr>
+        <p:spPr/>
+        <p:txBody>
+          <a:bodyPr/>
+          <a:lstStyle/>
+          <a:p>
+            <a:pPr lvl="0"/>
+            <a:r>
+              <a:rPr/>
+              <a:t>n-Queen’s Problem</a:t>
+            </a:r>
+          </a:p>
+          <a:p>
+            <a:pPr lvl="1"/>
+            <a:r>
+              <a:rPr/>
+              <a:t>Geeks for Geeks</a:t>
+            </a:r>
+          </a:p>
+          <a:p>
+            <a:pPr lvl="2"/>
+            <a:r>
+              <a:rPr/>
+              <a:t>https://www.geeksforgeeks.org/n-queen-problem-backtracking-3/?ref=lbp</a:t>
+            </a:r>
+          </a:p>
+        </p:txBody>
+      </p:sp>
+    </p:spTree>
+  </p:cSld>
+</p:sld>
+</file>
+
+<file path=ppt/slides/slide14.xml><?xml version="1.0" encoding="utf-8"?>
+<p:sld xmlns:a="http://schemas.openxmlformats.org/drawingml/2006/main" xmlns:r="http://schemas.openxmlformats.org/officeDocument/2006/relationships" xmlns:p="http://schemas.openxmlformats.org/presentationml/2006/main">
+  <p:cSld>
+    <p:spTree>
+      <p:nvGrpSpPr>
+        <p:cNvPr id="1" name=""/>
+        <p:cNvGrpSpPr/>
+        <p:nvPr/>
+      </p:nvGrpSpPr>
+      <p:grpSpPr>
+        <a:xfrm>
+          <a:off x="0" y="0"/>
+          <a:ext cx="0" cy="0"/>
+          <a:chOff x="0" y="0"/>
+          <a:chExt cx="0" cy="0"/>
+        </a:xfrm>
+      </p:grpSpPr>
+      <p:sp>
+        <p:nvSpPr>
+          <p:cNvPr id="2" name="Title 1"/>
+          <p:cNvSpPr>
+            <a:spLocks noGrp="1"/>
+          </p:cNvSpPr>
+          <p:nvPr>
+            <p:ph type="title"/>
+          </p:nvPr>
+        </p:nvSpPr>
+        <p:spPr/>
+        <p:txBody>
+          <a:bodyPr/>
+          <a:lstStyle/>
+          <a:p>
+            <a:pPr lvl="0" indent="0" marL="0">
+              <a:buNone/>
+            </a:pPr>
+            <a:r>
+              <a:rPr/>
+              <a:t>Graph Backtracking</a:t>
+            </a:r>
+          </a:p>
+        </p:txBody>
+      </p:sp>
+      <p:sp>
+        <p:nvSpPr>
+          <p:cNvPr id="3" name="Content Placeholder 2"/>
+          <p:cNvSpPr>
+            <a:spLocks noGrp="1"/>
+          </p:cNvSpPr>
+          <p:nvPr>
+            <p:ph idx="1"/>
+          </p:nvPr>
+        </p:nvSpPr>
+        <p:spPr/>
+        <p:txBody>
+          <a:bodyPr/>
+          <a:lstStyle/>
+          <a:p>
+            <a:pPr lvl="0"/>
+            <a:r>
+              <a:rPr/>
+              <a:t>m Coloring Problem</a:t>
+            </a:r>
+          </a:p>
+          <a:p>
+            <a:pPr lvl="1"/>
+            <a:r>
+              <a:rPr/>
+              <a:t>Geeks for Geeks</a:t>
+            </a:r>
+          </a:p>
+          <a:p>
+            <a:pPr lvl="2"/>
+            <a:r>
+              <a:rPr/>
+              <a:t>https://www.geeksforgeeks.org/m-coloring-problem-backtracking-5/</a:t>
+            </a:r>
+          </a:p>
+          <a:p>
+            <a:pPr lvl="1"/>
+            <a:r>
+              <a:rPr/>
+              <a:t>Tutorials Point</a:t>
+            </a:r>
+          </a:p>
+          <a:p>
+            <a:pPr lvl="2"/>
+            <a:r>
+              <a:rPr/>
+              <a:t>https://www.tutorialspoint.com/M-Coloring-Problem#:~:text=The%20problem%20is%20to%20find,is%20assigned%20on%20which%20vertex.</a:t>
+            </a:r>
+          </a:p>
+        </p:txBody>
+      </p:sp>
+    </p:spTree>
+  </p:cSld>
+</p:sld>
+</file>
+
+<file path=ppt/slides/slide15.xml><?xml version="1.0" encoding="utf-8"?>
+<p:sld xmlns:a="http://schemas.openxmlformats.org/drawingml/2006/main" xmlns:r="http://schemas.openxmlformats.org/officeDocument/2006/relationships" xmlns:p="http://schemas.openxmlformats.org/presentationml/2006/main">
+  <p:cSld>
+    <p:spTree>
+      <p:nvGrpSpPr>
+        <p:cNvPr id="1" name=""/>
+        <p:cNvGrpSpPr/>
+        <p:nvPr/>
+      </p:nvGrpSpPr>
+      <p:grpSpPr>
+        <a:xfrm>
+          <a:off x="0" y="0"/>
+          <a:ext cx="0" cy="0"/>
+          <a:chOff x="0" y="0"/>
+          <a:chExt cx="0" cy="0"/>
+        </a:xfrm>
+      </p:grpSpPr>
+      <p:sp>
+        <p:nvSpPr>
+          <p:cNvPr id="2" name="Title 1"/>
+          <p:cNvSpPr>
+            <a:spLocks noGrp="1"/>
+          </p:cNvSpPr>
+          <p:nvPr>
+            <p:ph type="title"/>
+          </p:nvPr>
+        </p:nvSpPr>
+        <p:spPr/>
+        <p:txBody>
+          <a:bodyPr/>
+          <a:lstStyle/>
+          <a:p>
+            <a:pPr lvl="0" indent="0" marL="0">
+              <a:buNone/>
+            </a:pPr>
+            <a:r>
+              <a:rPr/>
+              <a:t>Graph Backtracking</a:t>
+            </a:r>
+          </a:p>
+        </p:txBody>
+      </p:sp>
+      <p:sp>
+        <p:nvSpPr>
+          <p:cNvPr id="3" name="Content Placeholder 2"/>
+          <p:cNvSpPr>
+            <a:spLocks noGrp="1"/>
+          </p:cNvSpPr>
+          <p:nvPr>
+            <p:ph idx="1"/>
+          </p:nvPr>
+        </p:nvSpPr>
+        <p:spPr/>
+        <p:txBody>
+          <a:bodyPr/>
+          <a:lstStyle/>
+          <a:p>
+            <a:pPr lvl="0"/>
+            <a:r>
+              <a:rPr/>
+              <a:t>Euler &amp; Hamiltonian Path</a:t>
+            </a:r>
+          </a:p>
+          <a:p>
+            <a:pPr lvl="1"/>
+            <a:r>
+              <a:rPr/>
+              <a:t>https://www.geeksforgeeks.org/mathematics-euler-hamiltonian-paths/</a:t>
+            </a:r>
+          </a:p>
+        </p:txBody>
+      </p:sp>
+    </p:spTree>
+  </p:cSld>
+</p:sld>
+</file>
+
+<file path=ppt/slides/slide16.xml><?xml version="1.0" encoding="utf-8"?>
+<p:sld xmlns:a="http://schemas.openxmlformats.org/drawingml/2006/main" xmlns:r="http://schemas.openxmlformats.org/officeDocument/2006/relationships" xmlns:p="http://schemas.openxmlformats.org/presentationml/2006/main">
+  <p:cSld>
+    <p:spTree>
+      <p:nvGrpSpPr>
+        <p:cNvPr id="1" name=""/>
+        <p:cNvGrpSpPr/>
+        <p:nvPr/>
+      </p:nvGrpSpPr>
+      <p:grpSpPr>
+        <a:xfrm>
+          <a:off x="0" y="0"/>
+          <a:ext cx="0" cy="0"/>
+          <a:chOff x="0" y="0"/>
+          <a:chExt cx="0" cy="0"/>
+        </a:xfrm>
+      </p:grpSpPr>
+      <p:sp>
+        <p:nvSpPr>
+          <p:cNvPr id="2" name="Title 1"/>
+          <p:cNvSpPr>
+            <a:spLocks noGrp="1"/>
+          </p:cNvSpPr>
+          <p:nvPr>
+            <p:ph type="title"/>
+          </p:nvPr>
+        </p:nvSpPr>
+        <p:spPr/>
+        <p:txBody>
+          <a:bodyPr/>
+          <a:lstStyle/>
+          <a:p>
+            <a:pPr lvl="0" indent="0" marL="0">
+              <a:buNone/>
+            </a:pPr>
+            <a:r>
+              <a:rPr/>
+              <a:t>Graph Sortest Paths</a:t>
+            </a:r>
+          </a:p>
+        </p:txBody>
+      </p:sp>
+      <p:sp>
+        <p:nvSpPr>
+          <p:cNvPr id="3" name="Content Placeholder 2"/>
+          <p:cNvSpPr>
+            <a:spLocks noGrp="1"/>
+          </p:cNvSpPr>
+          <p:nvPr>
+            <p:ph idx="1"/>
+          </p:nvPr>
+        </p:nvSpPr>
+        <p:spPr/>
+        <p:txBody>
+          <a:bodyPr/>
+          <a:lstStyle/>
+          <a:p>
+            <a:pPr lvl="0"/>
+            <a:r>
+              <a:rPr/>
+              <a:t>Single-Source Shortest Paths (SSSP)</a:t>
+            </a:r>
+          </a:p>
+          <a:p>
+            <a:pPr lvl="1"/>
+            <a:r>
+              <a:rPr/>
+              <a:t>https://ucoruh.github.io/ce100-algorithms-and-programming-II/week-11/ce100-week-11-shortestpath/</a:t>
+            </a:r>
+          </a:p>
+          <a:p>
+            <a:pPr lvl="1"/>
+            <a:r>
+              <a:rPr/>
+              <a:t>https://visualgo.net/en/sssp?slide=1</a:t>
+            </a:r>
+          </a:p>
+        </p:txBody>
+      </p:sp>
+    </p:spTree>
+  </p:cSld>
+</p:sld>
+</file>
+
+<file path=ppt/slides/slide17.xml><?xml version="1.0" encoding="utf-8"?>
+<p:sld xmlns:a="http://schemas.openxmlformats.org/drawingml/2006/main" xmlns:r="http://schemas.openxmlformats.org/officeDocument/2006/relationships" xmlns:p="http://schemas.openxmlformats.org/presentationml/2006/main">
+  <p:cSld>
+    <p:spTree>
+      <p:nvGrpSpPr>
+        <p:cNvPr id="1" name=""/>
+        <p:cNvGrpSpPr/>
+        <p:nvPr/>
+      </p:nvGrpSpPr>
+      <p:grpSpPr>
+        <a:xfrm>
+          <a:off x="0" y="0"/>
+          <a:ext cx="0" cy="0"/>
+          <a:chOff x="0" y="0"/>
+          <a:chExt cx="0" cy="0"/>
+        </a:xfrm>
+      </p:grpSpPr>
+      <p:sp>
+        <p:nvSpPr>
+          <p:cNvPr id="2" name="Title 1"/>
+          <p:cNvSpPr>
+            <a:spLocks noGrp="1"/>
+          </p:cNvSpPr>
+          <p:nvPr>
+            <p:ph type="title"/>
+          </p:nvPr>
+        </p:nvSpPr>
+        <p:spPr/>
+        <p:txBody>
+          <a:bodyPr/>
+          <a:lstStyle/>
+          <a:p>
+            <a:pPr lvl="0" indent="0" marL="0">
+              <a:buNone/>
+            </a:pPr>
+            <a:r>
+              <a:rPr/>
+              <a:t>Graph Connectivity</a:t>
+            </a:r>
+          </a:p>
+        </p:txBody>
+      </p:sp>
+      <p:sp>
+        <p:nvSpPr>
+          <p:cNvPr id="3" name="Content Placeholder 2"/>
+          <p:cNvSpPr>
+            <a:spLocks noGrp="1"/>
+          </p:cNvSpPr>
+          <p:nvPr>
+            <p:ph idx="1"/>
+          </p:nvPr>
+        </p:nvSpPr>
+        <p:spPr/>
+        <p:txBody>
+          <a:bodyPr/>
+          <a:lstStyle/>
+          <a:p>
+            <a:pPr lvl="0"/>
+            <a:r>
+              <a:rPr/>
+              <a:t>Strongly Connected Components</a:t>
+            </a:r>
+          </a:p>
+          <a:p>
+            <a:pPr lvl="1"/>
+            <a:r>
+              <a:rPr/>
+              <a:t>https://ucoruh.github.io/ce100-algorithms-and-programming-II/tr/week-10/ce100-week-10-graphs/?h=scc#strongly-connected-components-scc</a:t>
+            </a:r>
+          </a:p>
+        </p:txBody>
+      </p:sp>
+    </p:spTree>
+  </p:cSld>
+</p:sld>
+</file>
+
+<file path=ppt/slides/slide18.xml><?xml version="1.0" encoding="utf-8"?>
+<p:sld xmlns:a="http://schemas.openxmlformats.org/drawingml/2006/main" xmlns:r="http://schemas.openxmlformats.org/officeDocument/2006/relationships" xmlns:p="http://schemas.openxmlformats.org/presentationml/2006/main">
+  <p:cSld>
+    <p:spTree>
+      <p:nvGrpSpPr>
+        <p:cNvPr id="1" name=""/>
+        <p:cNvGrpSpPr/>
+        <p:nvPr/>
+      </p:nvGrpSpPr>
+      <p:grpSpPr>
+        <a:xfrm>
+          <a:off x="0" y="0"/>
+          <a:ext cx="0" cy="0"/>
+          <a:chOff x="0" y="0"/>
+          <a:chExt cx="0" cy="0"/>
+        </a:xfrm>
+      </p:grpSpPr>
+      <p:sp>
+        <p:nvSpPr>
+          <p:cNvPr id="2" name="Title 1"/>
+          <p:cNvSpPr>
+            <a:spLocks noGrp="1"/>
+          </p:cNvSpPr>
+          <p:nvPr>
+            <p:ph type="title"/>
+          </p:nvPr>
+        </p:nvSpPr>
+        <p:spPr/>
+        <p:txBody>
+          <a:bodyPr/>
+          <a:lstStyle/>
+          <a:p>
+            <a:pPr lvl="0" indent="0" marL="0">
+              <a:buNone/>
+            </a:pPr>
+            <a:r>
+              <a:rPr/>
+              <a:t>Graph Max Flow</a:t>
+            </a:r>
+          </a:p>
+        </p:txBody>
+      </p:sp>
+      <p:sp>
+        <p:nvSpPr>
+          <p:cNvPr id="3" name="Content Placeholder 2"/>
+          <p:cNvSpPr>
+            <a:spLocks noGrp="1"/>
+          </p:cNvSpPr>
+          <p:nvPr>
+            <p:ph idx="1"/>
+          </p:nvPr>
+        </p:nvSpPr>
+        <p:spPr/>
+        <p:txBody>
+          <a:bodyPr/>
+          <a:lstStyle/>
+          <a:p>
+            <a:pPr lvl="0"/>
+            <a:r>
+              <a:rPr/>
+              <a:t>Geeks for Geeks</a:t>
+            </a:r>
+          </a:p>
+          <a:p>
+            <a:pPr lvl="1"/>
+            <a:r>
+              <a:rPr/>
+              <a:t>https://www.geeksforgeeks.org/max-flow-problem-introduction/</a:t>
+            </a:r>
+          </a:p>
+        </p:txBody>
+      </p:sp>
+    </p:spTree>
+  </p:cSld>
+</p:sld>
+</file>
+
+<file path=ppt/slides/slide19.xml><?xml version="1.0" encoding="utf-8"?>
+<p:sld xmlns:a="http://schemas.openxmlformats.org/drawingml/2006/main" xmlns:r="http://schemas.openxmlformats.org/officeDocument/2006/relationships" xmlns:p="http://schemas.openxmlformats.org/presentationml/2006/main">
+  <p:cSld>
+    <p:spTree>
+      <p:nvGrpSpPr>
+        <p:cNvPr id="1" name=""/>
+        <p:cNvGrpSpPr/>
+        <p:nvPr/>
+      </p:nvGrpSpPr>
+      <p:grpSpPr>
+        <a:xfrm>
+          <a:off x="0" y="0"/>
+          <a:ext cx="0" cy="0"/>
+          <a:chOff x="0" y="0"/>
+          <a:chExt cx="0" cy="0"/>
+        </a:xfrm>
+      </p:grpSpPr>
+      <p:sp>
+        <p:nvSpPr>
+          <p:cNvPr id="2" name="Title 1"/>
+          <p:cNvSpPr>
+            <a:spLocks noGrp="1"/>
+          </p:cNvSpPr>
+          <p:nvPr>
+            <p:ph type="title"/>
+          </p:nvPr>
+        </p:nvSpPr>
+        <p:spPr/>
+        <p:txBody>
+          <a:bodyPr/>
+          <a:lstStyle/>
+          <a:p>
+            <a:pPr lvl="0" indent="0" marL="0">
+              <a:buNone/>
+            </a:pPr>
+            <a:r>
+              <a:rPr/>
+              <a:t>Graph Isomorphism</a:t>
+            </a:r>
+          </a:p>
+        </p:txBody>
+      </p:sp>
+      <p:sp>
+        <p:nvSpPr>
+          <p:cNvPr id="3" name="Content Placeholder 2"/>
+          <p:cNvSpPr>
+            <a:spLocks noGrp="1"/>
+          </p:cNvSpPr>
+          <p:nvPr>
+            <p:ph idx="1"/>
+          </p:nvPr>
+        </p:nvSpPr>
+        <p:spPr/>
+        <p:txBody>
+          <a:bodyPr/>
+          <a:lstStyle/>
+          <a:p>
+            <a:pPr lvl="0"/>
+            <a:r>
+              <a:rPr/>
+              <a:t>https://www.sciencedirect.com/science/article/pii/S0747717113001193</a:t>
+            </a:r>
+          </a:p>
+          <a:p>
+            <a:pPr lvl="0"/>
+            <a:r>
+              <a:rPr/>
+              <a:t>https://www3.cs.stonybrook.edu/~algorith/implement/nauty/implement.shtml</a:t>
+            </a:r>
+          </a:p>
+          <a:p>
+            <a:pPr lvl="0"/>
+            <a:r>
+              <a:rPr/>
+              <a:t>https://github.com/Mith13/Graphs-isomorphism</a:t>
+            </a:r>
+          </a:p>
+        </p:txBody>
+      </p:sp>
+    </p:spTree>
+  </p:cSld>
+</p:sld>
+</file>
+
 <file path=ppt/slides/slide2.xml><?xml version="1.0" encoding="utf-8"?>
 <p:sld xmlns:a="http://schemas.openxmlformats.org/drawingml/2006/main" xmlns:r="http://schemas.openxmlformats.org/officeDocument/2006/relationships" xmlns:p="http://schemas.openxmlformats.org/presentationml/2006/main">
   <p:cSld>
@@ -3255,6 +4127,822 @@
             <a:r>
               <a:rPr/>
               <a:t>CE205 Data Structures</a:t>
+            </a:r>
+          </a:p>
+        </p:txBody>
+      </p:sp>
+    </p:spTree>
+  </p:cSld>
+</p:sld>
+</file>
+
+<file path=ppt/slides/slide20.xml><?xml version="1.0" encoding="utf-8"?>
+<p:sld xmlns:a="http://schemas.openxmlformats.org/drawingml/2006/main" xmlns:r="http://schemas.openxmlformats.org/officeDocument/2006/relationships" xmlns:p="http://schemas.openxmlformats.org/presentationml/2006/main">
+  <p:cSld>
+    <p:spTree>
+      <p:nvGrpSpPr>
+        <p:cNvPr id="1" name=""/>
+        <p:cNvGrpSpPr/>
+        <p:nvPr/>
+      </p:nvGrpSpPr>
+      <p:grpSpPr>
+        <a:xfrm>
+          <a:off x="0" y="0"/>
+          <a:ext cx="0" cy="0"/>
+          <a:chOff x="0" y="0"/>
+          <a:chExt cx="0" cy="0"/>
+        </a:xfrm>
+      </p:grpSpPr>
+      <p:sp>
+        <p:nvSpPr>
+          <p:cNvPr id="2" name="Title 1"/>
+          <p:cNvSpPr>
+            <a:spLocks noGrp="1"/>
+          </p:cNvSpPr>
+          <p:nvPr>
+            <p:ph type="title"/>
+          </p:nvPr>
+        </p:nvSpPr>
+        <p:spPr/>
+        <p:txBody>
+          <a:bodyPr/>
+          <a:lstStyle/>
+          <a:p>
+            <a:pPr lvl="0" indent="0" marL="0">
+              <a:buNone/>
+            </a:pPr>
+            <a:r>
+              <a:rPr/>
+              <a:t>Graph Cuts</a:t>
+            </a:r>
+          </a:p>
+        </p:txBody>
+      </p:sp>
+      <p:sp>
+        <p:nvSpPr>
+          <p:cNvPr id="3" name="Content Placeholder 2"/>
+          <p:cNvSpPr>
+            <a:spLocks noGrp="1"/>
+          </p:cNvSpPr>
+          <p:nvPr>
+            <p:ph idx="1"/>
+          </p:nvPr>
+        </p:nvSpPr>
+        <p:spPr/>
+        <p:txBody>
+          <a:bodyPr/>
+          <a:lstStyle/>
+          <a:p>
+            <a:pPr lvl="0" indent="-457200" marL="457200">
+              <a:buAutoNum type="arabicPeriod"/>
+            </a:pPr>
+            <a:r>
+              <a:rPr/>
+              <a:t>Min Cuts</a:t>
+            </a:r>
+          </a:p>
+          <a:p>
+            <a:pPr lvl="0" indent="-457200" marL="457200">
+              <a:buAutoNum type="arabicPeriod"/>
+            </a:pPr>
+            <a:r>
+              <a:rPr/>
+              <a:t>Max Cuts</a:t>
+            </a:r>
+          </a:p>
+          <a:p>
+            <a:pPr lvl="0"/>
+            <a:r>
+              <a:rPr/>
+              <a:t>Wikipedia</a:t>
+            </a:r>
+          </a:p>
+          <a:p>
+            <a:pPr lvl="1"/>
+            <a:r>
+              <a:rPr/>
+              <a:t>https://en.wikipedia.org/wiki/Cut_(graph_theory)#:~:text=In%20graph%20theory%2C%20a%20cut,said%20to%20cross%20the%20cut.</a:t>
+            </a:r>
+          </a:p>
+        </p:txBody>
+      </p:sp>
+    </p:spTree>
+  </p:cSld>
+</p:sld>
+</file>
+
+<file path=ppt/slides/slide21.xml><?xml version="1.0" encoding="utf-8"?>
+<p:sld xmlns:a="http://schemas.openxmlformats.org/drawingml/2006/main" xmlns:r="http://schemas.openxmlformats.org/officeDocument/2006/relationships" xmlns:p="http://schemas.openxmlformats.org/presentationml/2006/main">
+  <p:cSld>
+    <p:spTree>
+      <p:nvGrpSpPr>
+        <p:cNvPr id="1" name=""/>
+        <p:cNvGrpSpPr/>
+        <p:nvPr/>
+      </p:nvGrpSpPr>
+      <p:grpSpPr>
+        <a:xfrm>
+          <a:off x="0" y="0"/>
+          <a:ext cx="0" cy="0"/>
+          <a:chOff x="0" y="0"/>
+          <a:chExt cx="0" cy="0"/>
+        </a:xfrm>
+      </p:grpSpPr>
+      <p:sp>
+        <p:nvSpPr>
+          <p:cNvPr id="2" name="Title 1"/>
+          <p:cNvSpPr>
+            <a:spLocks noGrp="1"/>
+          </p:cNvSpPr>
+          <p:nvPr>
+            <p:ph type="title"/>
+          </p:nvPr>
+        </p:nvSpPr>
+        <p:spPr/>
+        <p:txBody>
+          <a:bodyPr/>
+          <a:lstStyle/>
+          <a:p>
+            <a:pPr lvl="0" indent="0" marL="0">
+              <a:buNone/>
+            </a:pPr>
+            <a:r>
+              <a:rPr/>
+              <a:t>Graph canonization</a:t>
+            </a:r>
+          </a:p>
+        </p:txBody>
+      </p:sp>
+      <p:sp>
+        <p:nvSpPr>
+          <p:cNvPr id="3" name="Content Placeholder 2"/>
+          <p:cNvSpPr>
+            <a:spLocks noGrp="1"/>
+          </p:cNvSpPr>
+          <p:nvPr>
+            <p:ph idx="1"/>
+          </p:nvPr>
+        </p:nvSpPr>
+        <p:spPr/>
+        <p:txBody>
+          <a:bodyPr/>
+          <a:lstStyle/>
+          <a:p>
+            <a:pPr lvl="0"/>
+            <a:r>
+              <a:rPr/>
+              <a:t>Wikipedia</a:t>
+            </a:r>
+          </a:p>
+          <a:p>
+            <a:pPr lvl="1"/>
+            <a:r>
+              <a:rPr/>
+              <a:t>https://en.wikipedia.org/wiki/ Graph_canonization</a:t>
+            </a:r>
+          </a:p>
+        </p:txBody>
+      </p:sp>
+    </p:spTree>
+  </p:cSld>
+</p:sld>
+</file>
+
+<file path=ppt/slides/slide22.xml><?xml version="1.0" encoding="utf-8"?>
+<p:sld xmlns:a="http://schemas.openxmlformats.org/drawingml/2006/main" xmlns:r="http://schemas.openxmlformats.org/officeDocument/2006/relationships" xmlns:p="http://schemas.openxmlformats.org/presentationml/2006/main">
+  <p:cSld>
+    <p:spTree>
+      <p:nvGrpSpPr>
+        <p:cNvPr id="1" name=""/>
+        <p:cNvGrpSpPr/>
+        <p:nvPr/>
+      </p:nvGrpSpPr>
+      <p:grpSpPr>
+        <a:xfrm>
+          <a:off x="0" y="0"/>
+          <a:ext cx="0" cy="0"/>
+          <a:chOff x="0" y="0"/>
+          <a:chExt cx="0" cy="0"/>
+        </a:xfrm>
+      </p:grpSpPr>
+      <p:sp>
+        <p:nvSpPr>
+          <p:cNvPr id="2" name="Title 1"/>
+          <p:cNvSpPr>
+            <a:spLocks noGrp="1"/>
+          </p:cNvSpPr>
+          <p:nvPr>
+            <p:ph type="title"/>
+          </p:nvPr>
+        </p:nvSpPr>
+        <p:spPr/>
+        <p:txBody>
+          <a:bodyPr/>
+          <a:lstStyle/>
+          <a:p>
+            <a:pPr lvl="0" indent="0" marL="0">
+              <a:buNone/>
+            </a:pPr>
+            <a:r>
+              <a:rPr/>
+              <a:t>Cycle Detection</a:t>
+            </a:r>
+          </a:p>
+        </p:txBody>
+      </p:sp>
+      <p:sp>
+        <p:nvSpPr>
+          <p:cNvPr id="3" name="Content Placeholder 2"/>
+          <p:cNvSpPr>
+            <a:spLocks noGrp="1"/>
+          </p:cNvSpPr>
+          <p:nvPr>
+            <p:ph idx="1"/>
+          </p:nvPr>
+        </p:nvSpPr>
+        <p:spPr/>
+        <p:txBody>
+          <a:bodyPr/>
+          <a:lstStyle/>
+          <a:p>
+            <a:pPr lvl="0"/>
+            <a:r>
+              <a:rPr/>
+              <a:t>https://ucoruh.github.io/ce100-algorithms-and-programming-II/week-10/ce100-week-10-graphs/#cycle-detection</a:t>
+            </a:r>
+          </a:p>
+        </p:txBody>
+      </p:sp>
+    </p:spTree>
+  </p:cSld>
+</p:sld>
+</file>
+
+<file path=ppt/slides/slide23.xml><?xml version="1.0" encoding="utf-8"?>
+<p:sld xmlns:a="http://schemas.openxmlformats.org/drawingml/2006/main" xmlns:r="http://schemas.openxmlformats.org/officeDocument/2006/relationships" xmlns:p="http://schemas.openxmlformats.org/presentationml/2006/main">
+  <p:cSld>
+    <p:spTree>
+      <p:nvGrpSpPr>
+        <p:cNvPr id="1" name=""/>
+        <p:cNvGrpSpPr/>
+        <p:nvPr/>
+      </p:nvGrpSpPr>
+      <p:grpSpPr>
+        <a:xfrm>
+          <a:off x="0" y="0"/>
+          <a:ext cx="0" cy="0"/>
+          <a:chOff x="0" y="0"/>
+          <a:chExt cx="0" cy="0"/>
+        </a:xfrm>
+      </p:grpSpPr>
+      <p:sp>
+        <p:nvSpPr>
+          <p:cNvPr id="2" name="Title 1"/>
+          <p:cNvSpPr>
+            <a:spLocks noGrp="1"/>
+          </p:cNvSpPr>
+          <p:nvPr>
+            <p:ph type="title"/>
+          </p:nvPr>
+        </p:nvSpPr>
+        <p:spPr/>
+        <p:txBody>
+          <a:bodyPr/>
+          <a:lstStyle/>
+          <a:p>
+            <a:pPr lvl="0" indent="0" marL="0">
+              <a:buNone/>
+            </a:pPr>
+            <a:r>
+              <a:rPr/>
+              <a:t>Graph Coloring</a:t>
+            </a:r>
+          </a:p>
+        </p:txBody>
+      </p:sp>
+      <p:sp>
+        <p:nvSpPr>
+          <p:cNvPr id="3" name="Content Placeholder 2"/>
+          <p:cNvSpPr>
+            <a:spLocks noGrp="1"/>
+          </p:cNvSpPr>
+          <p:nvPr>
+            <p:ph idx="1"/>
+          </p:nvPr>
+        </p:nvSpPr>
+        <p:spPr/>
+        <p:txBody>
+          <a:bodyPr/>
+          <a:lstStyle/>
+          <a:p>
+            <a:pPr lvl="0"/>
+            <a:r>
+              <a:rPr/>
+              <a:t>https://ucoruh.github.io/ce100-algorithms-and-programming-II/week-10/ce100-week-10-graphs/#graph-coloring</a:t>
+            </a:r>
+          </a:p>
+        </p:txBody>
+      </p:sp>
+    </p:spTree>
+  </p:cSld>
+</p:sld>
+</file>
+
+<file path=ppt/slides/slide24.xml><?xml version="1.0" encoding="utf-8"?>
+<p:sld xmlns:a="http://schemas.openxmlformats.org/drawingml/2006/main" xmlns:r="http://schemas.openxmlformats.org/officeDocument/2006/relationships" xmlns:p="http://schemas.openxmlformats.org/presentationml/2006/main">
+  <p:cSld>
+    <p:spTree>
+      <p:nvGrpSpPr>
+        <p:cNvPr id="1" name=""/>
+        <p:cNvGrpSpPr/>
+        <p:nvPr/>
+      </p:nvGrpSpPr>
+      <p:grpSpPr>
+        <a:xfrm>
+          <a:off x="0" y="0"/>
+          <a:ext cx="0" cy="0"/>
+          <a:chOff x="0" y="0"/>
+          <a:chExt cx="0" cy="0"/>
+        </a:xfrm>
+      </p:grpSpPr>
+      <p:sp>
+        <p:nvSpPr>
+          <p:cNvPr id="2" name="Title 1"/>
+          <p:cNvSpPr>
+            <a:spLocks noGrp="1"/>
+          </p:cNvSpPr>
+          <p:nvPr>
+            <p:ph type="title"/>
+          </p:nvPr>
+        </p:nvSpPr>
+        <p:spPr/>
+        <p:txBody>
+          <a:bodyPr/>
+          <a:lstStyle/>
+          <a:p>
+            <a:pPr lvl="0" indent="0" marL="0">
+              <a:buNone/>
+            </a:pPr>
+            <a:r>
+              <a:rPr/>
+              <a:t>Alpha-Beta Pruning</a:t>
+            </a:r>
+          </a:p>
+        </p:txBody>
+      </p:sp>
+      <p:sp>
+        <p:nvSpPr>
+          <p:cNvPr id="3" name="Content Placeholder 2"/>
+          <p:cNvSpPr>
+            <a:spLocks noGrp="1"/>
+          </p:cNvSpPr>
+          <p:nvPr>
+            <p:ph idx="1"/>
+          </p:nvPr>
+        </p:nvSpPr>
+        <p:spPr/>
+        <p:txBody>
+          <a:bodyPr/>
+          <a:lstStyle/>
+          <a:p>
+            <a:pPr lvl="0"/>
+            <a:r>
+              <a:rPr/>
+              <a:t>Geeks for Geeks</a:t>
+            </a:r>
+          </a:p>
+          <a:p>
+            <a:pPr lvl="1"/>
+            <a:r>
+              <a:rPr/>
+              <a:t>https://www.geeksforgeeks.org/minimax-algorithm-in-game-theory-set-4-alpha-beta-pruning/</a:t>
+            </a:r>
+          </a:p>
+        </p:txBody>
+      </p:sp>
+    </p:spTree>
+  </p:cSld>
+</p:sld>
+</file>
+
+<file path=ppt/slides/slide25.xml><?xml version="1.0" encoding="utf-8"?>
+<p:sld xmlns:a="http://schemas.openxmlformats.org/drawingml/2006/main" xmlns:r="http://schemas.openxmlformats.org/officeDocument/2006/relationships" xmlns:p="http://schemas.openxmlformats.org/presentationml/2006/main">
+  <p:cSld>
+    <p:spTree>
+      <p:nvGrpSpPr>
+        <p:cNvPr id="1" name=""/>
+        <p:cNvGrpSpPr/>
+        <p:nvPr/>
+      </p:nvGrpSpPr>
+      <p:grpSpPr>
+        <a:xfrm>
+          <a:off x="0" y="0"/>
+          <a:ext cx="0" cy="0"/>
+          <a:chOff x="0" y="0"/>
+          <a:chExt cx="0" cy="0"/>
+        </a:xfrm>
+      </p:grpSpPr>
+      <p:sp>
+        <p:nvSpPr>
+          <p:cNvPr id="2" name="Title 1"/>
+          <p:cNvSpPr>
+            <a:spLocks noGrp="1"/>
+          </p:cNvSpPr>
+          <p:nvPr>
+            <p:ph type="title"/>
+          </p:nvPr>
+        </p:nvSpPr>
+        <p:spPr/>
+        <p:txBody>
+          <a:bodyPr/>
+          <a:lstStyle/>
+          <a:p>
+            <a:pPr lvl="0" indent="0" marL="0">
+              <a:buNone/>
+            </a:pPr>
+            <a:r>
+              <a:rPr/>
+              <a:t>Hasse Diagrams</a:t>
+            </a:r>
+          </a:p>
+        </p:txBody>
+      </p:sp>
+      <p:sp>
+        <p:nvSpPr>
+          <p:cNvPr id="3" name="Content Placeholder 2"/>
+          <p:cNvSpPr>
+            <a:spLocks noGrp="1"/>
+          </p:cNvSpPr>
+          <p:nvPr>
+            <p:ph idx="1"/>
+          </p:nvPr>
+        </p:nvSpPr>
+        <p:spPr/>
+        <p:txBody>
+          <a:bodyPr/>
+          <a:lstStyle/>
+          <a:p>
+            <a:pPr lvl="0"/>
+            <a:r>
+              <a:rPr/>
+              <a:t>Geeks for Geeks</a:t>
+            </a:r>
+          </a:p>
+          <a:p>
+            <a:pPr lvl="1"/>
+            <a:r>
+              <a:rPr/>
+              <a:t>https://www.geeksforgeeks.org/discrete-mathematics-hasse-diagrams/</a:t>
+            </a:r>
+          </a:p>
+        </p:txBody>
+      </p:sp>
+    </p:spTree>
+  </p:cSld>
+</p:sld>
+</file>
+
+<file path=ppt/slides/slide26.xml><?xml version="1.0" encoding="utf-8"?>
+<p:sld xmlns:a="http://schemas.openxmlformats.org/drawingml/2006/main" xmlns:r="http://schemas.openxmlformats.org/officeDocument/2006/relationships" xmlns:p="http://schemas.openxmlformats.org/presentationml/2006/main">
+  <p:cSld>
+    <p:spTree>
+      <p:nvGrpSpPr>
+        <p:cNvPr id="1" name=""/>
+        <p:cNvGrpSpPr/>
+        <p:nvPr/>
+      </p:nvGrpSpPr>
+      <p:grpSpPr>
+        <a:xfrm>
+          <a:off x="0" y="0"/>
+          <a:ext cx="0" cy="0"/>
+          <a:chOff x="0" y="0"/>
+          <a:chExt cx="0" cy="0"/>
+        </a:xfrm>
+      </p:grpSpPr>
+      <p:sp>
+        <p:nvSpPr>
+          <p:cNvPr id="2" name="Title 1"/>
+          <p:cNvSpPr>
+            <a:spLocks noGrp="1"/>
+          </p:cNvSpPr>
+          <p:nvPr>
+            <p:ph type="title"/>
+          </p:nvPr>
+        </p:nvSpPr>
+        <p:spPr/>
+        <p:txBody>
+          <a:bodyPr/>
+          <a:lstStyle/>
+          <a:p>
+            <a:pPr lvl="0" indent="0" marL="0">
+              <a:buNone/>
+            </a:pPr>
+            <a:r>
+              <a:rPr/>
+              <a:t>Petri Nets</a:t>
+            </a:r>
+          </a:p>
+        </p:txBody>
+      </p:sp>
+      <p:sp>
+        <p:nvSpPr>
+          <p:cNvPr id="3" name="Content Placeholder 2"/>
+          <p:cNvSpPr>
+            <a:spLocks noGrp="1"/>
+          </p:cNvSpPr>
+          <p:nvPr>
+            <p:ph idx="1"/>
+          </p:nvPr>
+        </p:nvSpPr>
+        <p:spPr/>
+        <p:txBody>
+          <a:bodyPr/>
+          <a:lstStyle/>
+          <a:p>
+            <a:pPr lvl="0"/>
+            <a:r>
+              <a:rPr/>
+              <a:t>Wikipedia</a:t>
+            </a:r>
+          </a:p>
+          <a:p>
+            <a:pPr lvl="1"/>
+            <a:r>
+              <a:rPr/>
+              <a:t>https://en.wikipedia.org/wiki/Petri_net</a:t>
+            </a:r>
+          </a:p>
+        </p:txBody>
+      </p:sp>
+    </p:spTree>
+  </p:cSld>
+</p:sld>
+</file>
+
+<file path=ppt/slides/slide27.xml><?xml version="1.0" encoding="utf-8"?>
+<p:sld xmlns:a="http://schemas.openxmlformats.org/drawingml/2006/main" xmlns:r="http://schemas.openxmlformats.org/officeDocument/2006/relationships" xmlns:p="http://schemas.openxmlformats.org/presentationml/2006/main">
+  <p:cSld>
+    <p:spTree>
+      <p:nvGrpSpPr>
+        <p:cNvPr id="1" name=""/>
+        <p:cNvGrpSpPr/>
+        <p:nvPr/>
+      </p:nvGrpSpPr>
+      <p:grpSpPr>
+        <a:xfrm>
+          <a:off x="0" y="0"/>
+          <a:ext cx="0" cy="0"/>
+          <a:chOff x="0" y="0"/>
+          <a:chExt cx="0" cy="0"/>
+        </a:xfrm>
+      </p:grpSpPr>
+      <p:sp>
+        <p:nvSpPr>
+          <p:cNvPr id="2" name="Title 1"/>
+          <p:cNvSpPr>
+            <a:spLocks noGrp="1"/>
+          </p:cNvSpPr>
+          <p:nvPr>
+            <p:ph type="title"/>
+          </p:nvPr>
+        </p:nvSpPr>
+        <p:spPr/>
+        <p:txBody>
+          <a:bodyPr/>
+          <a:lstStyle/>
+          <a:p>
+            <a:pPr lvl="0" indent="0" marL="0">
+              <a:buNone/>
+            </a:pPr>
+            <a:r>
+              <a:rPr/>
+              <a:t>Bipartite Graphs</a:t>
+            </a:r>
+          </a:p>
+        </p:txBody>
+      </p:sp>
+      <p:sp>
+        <p:nvSpPr>
+          <p:cNvPr id="3" name="Content Placeholder 2"/>
+          <p:cNvSpPr>
+            <a:spLocks noGrp="1"/>
+          </p:cNvSpPr>
+          <p:nvPr>
+            <p:ph idx="1"/>
+          </p:nvPr>
+        </p:nvSpPr>
+        <p:spPr/>
+        <p:txBody>
+          <a:bodyPr/>
+          <a:lstStyle/>
+          <a:p>
+            <a:pPr lvl="0"/>
+            <a:r>
+              <a:rPr/>
+              <a:t>CE100</a:t>
+            </a:r>
+          </a:p>
+          <a:p>
+            <a:pPr lvl="1"/>
+            <a:r>
+              <a:rPr/>
+              <a:t>https://ucoruh.github.io/ce100-algorithms-and-programming-II/week-10/ce100-week-10-graphs/?h=bipartite#biparitite-checker</a:t>
+            </a:r>
+          </a:p>
+          <a:p>
+            <a:pPr lvl="0"/>
+            <a:r>
+              <a:rPr/>
+              <a:t>Geeks for Geeks</a:t>
+            </a:r>
+          </a:p>
+          <a:p>
+            <a:pPr lvl="1"/>
+            <a:r>
+              <a:rPr/>
+              <a:t>https://www.geeksforgeeks.org/bipartite-graph/</a:t>
+            </a:r>
+          </a:p>
+        </p:txBody>
+      </p:sp>
+    </p:spTree>
+  </p:cSld>
+</p:sld>
+</file>
+
+<file path=ppt/slides/slide28.xml><?xml version="1.0" encoding="utf-8"?>
+<p:sld xmlns:a="http://schemas.openxmlformats.org/drawingml/2006/main" xmlns:r="http://schemas.openxmlformats.org/officeDocument/2006/relationships" xmlns:p="http://schemas.openxmlformats.org/presentationml/2006/main">
+  <p:cSld>
+    <p:spTree>
+      <p:nvGrpSpPr>
+        <p:cNvPr id="1" name=""/>
+        <p:cNvGrpSpPr/>
+        <p:nvPr/>
+      </p:nvGrpSpPr>
+      <p:grpSpPr>
+        <a:xfrm>
+          <a:off x="0" y="0"/>
+          <a:ext cx="0" cy="0"/>
+          <a:chOff x="0" y="0"/>
+          <a:chExt cx="0" cy="0"/>
+        </a:xfrm>
+      </p:grpSpPr>
+      <p:sp>
+        <p:nvSpPr>
+          <p:cNvPr id="2" name="Title 1"/>
+          <p:cNvSpPr>
+            <a:spLocks noGrp="1"/>
+          </p:cNvSpPr>
+          <p:nvPr>
+            <p:ph type="title"/>
+          </p:nvPr>
+        </p:nvSpPr>
+        <p:spPr/>
+        <p:txBody>
+          <a:bodyPr/>
+          <a:lstStyle/>
+          <a:p>
+            <a:pPr lvl="0" indent="0" marL="0">
+              <a:buNone/>
+            </a:pPr>
+            <a:r>
+              <a:rPr/>
+              <a:t>Cycle Detection</a:t>
+            </a:r>
+          </a:p>
+        </p:txBody>
+      </p:sp>
+      <p:sp>
+        <p:nvSpPr>
+          <p:cNvPr id="3" name="Content Placeholder 2"/>
+          <p:cNvSpPr>
+            <a:spLocks noGrp="1"/>
+          </p:cNvSpPr>
+          <p:nvPr>
+            <p:ph idx="1"/>
+          </p:nvPr>
+        </p:nvSpPr>
+        <p:spPr/>
+        <p:txBody>
+          <a:bodyPr/>
+          <a:lstStyle/>
+          <a:p>
+            <a:pPr lvl="0"/>
+            <a:r>
+              <a:rPr/>
+              <a:t>Brent’s Algorithm</a:t>
+            </a:r>
+          </a:p>
+          <a:p>
+            <a:pPr lvl="1"/>
+            <a:r>
+              <a:rPr/>
+              <a:t>Geeks for Geeks</a:t>
+            </a:r>
+          </a:p>
+          <a:p>
+            <a:pPr lvl="2"/>
+            <a:r>
+              <a:rPr/>
+              <a:t>https://www.geeksforgeeks.org/brents-cycle-detection-algorithm/</a:t>
+            </a:r>
+          </a:p>
+          <a:p>
+            <a:pPr lvl="0"/>
+            <a:r>
+              <a:rPr/>
+              <a:t>Hare and Tortoise Algorithm</a:t>
+            </a:r>
+          </a:p>
+          <a:p>
+            <a:pPr lvl="1"/>
+            <a:r>
+              <a:rPr/>
+              <a:t>Geeks for Geeks</a:t>
+            </a:r>
+          </a:p>
+          <a:p>
+            <a:pPr lvl="2"/>
+            <a:r>
+              <a:rPr/>
+              <a:t>https://www.geeksforgeeks.org/tag/tortoise-hare-approach/</a:t>
+            </a:r>
+          </a:p>
+        </p:txBody>
+      </p:sp>
+    </p:spTree>
+  </p:cSld>
+</p:sld>
+</file>
+
+<file path=ppt/slides/slide29.xml><?xml version="1.0" encoding="utf-8"?>
+<p:sld xmlns:a="http://schemas.openxmlformats.org/drawingml/2006/main" xmlns:r="http://schemas.openxmlformats.org/officeDocument/2006/relationships" xmlns:p="http://schemas.openxmlformats.org/presentationml/2006/main">
+  <p:cSld>
+    <p:spTree>
+      <p:nvGrpSpPr>
+        <p:cNvPr id="1" name=""/>
+        <p:cNvGrpSpPr/>
+        <p:nvPr/>
+      </p:nvGrpSpPr>
+      <p:grpSpPr>
+        <a:xfrm>
+          <a:off x="0" y="0"/>
+          <a:ext cx="0" cy="0"/>
+          <a:chOff x="0" y="0"/>
+          <a:chExt cx="0" cy="0"/>
+        </a:xfrm>
+      </p:grpSpPr>
+      <p:sp>
+        <p:nvSpPr>
+          <p:cNvPr id="2" name="Title 1"/>
+          <p:cNvSpPr>
+            <a:spLocks noGrp="1"/>
+          </p:cNvSpPr>
+          <p:nvPr>
+            <p:ph type="title"/>
+          </p:nvPr>
+        </p:nvSpPr>
+        <p:spPr/>
+        <p:txBody>
+          <a:bodyPr/>
+          <a:lstStyle/>
+          <a:p>
+            <a:pPr lvl="0" indent="0" marL="0">
+              <a:buNone/>
+            </a:pPr>
+            <a:r>
+              <a:rPr/>
+              <a:t>Cycle Detection</a:t>
+            </a:r>
+          </a:p>
+        </p:txBody>
+      </p:sp>
+      <p:sp>
+        <p:nvSpPr>
+          <p:cNvPr id="3" name="Content Placeholder 2"/>
+          <p:cNvSpPr>
+            <a:spLocks noGrp="1"/>
+          </p:cNvSpPr>
+          <p:nvPr>
+            <p:ph idx="1"/>
+          </p:nvPr>
+        </p:nvSpPr>
+        <p:spPr/>
+        <p:txBody>
+          <a:bodyPr/>
+          <a:lstStyle/>
+          <a:p>
+            <a:pPr lvl="0"/>
+            <a:r>
+              <a:rPr/>
+              <a:t>CE100</a:t>
+            </a:r>
+          </a:p>
+          <a:p>
+            <a:pPr lvl="1"/>
+            <a:r>
+              <a:rPr/>
+              <a:t>https://ucoruh.github.io/ce100-algorithms-and-programming-II/week-10/ce100-week-10-graphs/?h=bipartite#cycle-detection</a:t>
             </a:r>
           </a:p>
         </p:txBody>
@@ -3316,6 +5004,180 @@
 </p:sld>
 </file>
 
+<file path=ppt/slides/slide30.xml><?xml version="1.0" encoding="utf-8"?>
+<p:sld xmlns:a="http://schemas.openxmlformats.org/drawingml/2006/main" xmlns:r="http://schemas.openxmlformats.org/officeDocument/2006/relationships" xmlns:p="http://schemas.openxmlformats.org/presentationml/2006/main">
+  <p:cSld>
+    <p:spTree>
+      <p:nvGrpSpPr>
+        <p:cNvPr id="1" name=""/>
+        <p:cNvGrpSpPr/>
+        <p:nvPr/>
+      </p:nvGrpSpPr>
+      <p:grpSpPr>
+        <a:xfrm>
+          <a:off x="0" y="0"/>
+          <a:ext cx="0" cy="0"/>
+          <a:chOff x="0" y="0"/>
+          <a:chExt cx="0" cy="0"/>
+        </a:xfrm>
+      </p:grpSpPr>
+      <p:sp>
+        <p:nvSpPr>
+          <p:cNvPr id="2" name="Title 1"/>
+          <p:cNvSpPr>
+            <a:spLocks noGrp="1"/>
+          </p:cNvSpPr>
+          <p:nvPr>
+            <p:ph type="title"/>
+          </p:nvPr>
+        </p:nvSpPr>
+        <p:spPr/>
+        <p:txBody>
+          <a:bodyPr/>
+          <a:lstStyle/>
+          <a:p>
+            <a:pPr lvl="0" indent="0" marL="0">
+              <a:buNone/>
+            </a:pPr>
+            <a:r>
+              <a:rPr/>
+              <a:t>Bayesian Network</a:t>
+            </a:r>
+          </a:p>
+        </p:txBody>
+      </p:sp>
+      <p:sp>
+        <p:nvSpPr>
+          <p:cNvPr id="3" name="Content Placeholder 2"/>
+          <p:cNvSpPr>
+            <a:spLocks noGrp="1"/>
+          </p:cNvSpPr>
+          <p:nvPr>
+            <p:ph idx="1"/>
+          </p:nvPr>
+        </p:nvSpPr>
+        <p:spPr/>
+        <p:txBody>
+          <a:bodyPr/>
+          <a:lstStyle/>
+          <a:p>
+            <a:pPr lvl="0"/>
+            <a:r>
+              <a:rPr/>
+              <a:t>https://towardsdatascience.com/introduction-to-bayesian-networks-81031eeed94e</a:t>
+            </a:r>
+          </a:p>
+        </p:txBody>
+      </p:sp>
+    </p:spTree>
+  </p:cSld>
+</p:sld>
+</file>
+
+<file path=ppt/slides/slide31.xml><?xml version="1.0" encoding="utf-8"?>
+<p:sld xmlns:a="http://schemas.openxmlformats.org/drawingml/2006/main" xmlns:r="http://schemas.openxmlformats.org/officeDocument/2006/relationships" xmlns:p="http://schemas.openxmlformats.org/presentationml/2006/main">
+  <p:cSld>
+    <p:spTree>
+      <p:nvGrpSpPr>
+        <p:cNvPr id="1" name=""/>
+        <p:cNvGrpSpPr/>
+        <p:nvPr/>
+      </p:nvGrpSpPr>
+      <p:grpSpPr>
+        <a:xfrm>
+          <a:off x="0" y="0"/>
+          <a:ext cx="0" cy="0"/>
+          <a:chOff x="0" y="0"/>
+          <a:chExt cx="0" cy="0"/>
+        </a:xfrm>
+      </p:grpSpPr>
+      <mc:AlternateContent xmlns:mc="http://schemas.openxmlformats.org/markup-compatibility/2006">
+        <mc:Choice xmlns:a14="http://schemas.microsoft.com/office/drawing/2010/main" Requires="a14">
+          <p:sp>
+            <p:nvSpPr>
+              <p:cNvPr id="3" name="Content Placeholder 2"/>
+              <p:cNvSpPr>
+                <a:spLocks noGrp="1"/>
+              </p:cNvSpPr>
+              <p:nvPr>
+                <p:ph idx="1"/>
+              </p:nvPr>
+            </p:nvSpPr>
+            <p:spPr/>
+            <p:txBody>
+              <a:bodyPr/>
+              <a:lstStyle/>
+              <a:p>
+                <a:pPr lvl="0" indent="0" marL="0">
+                  <a:buNone/>
+                </a:pPr>
+                <a14:m>
+                  <m:oMathPara xmlns:m="http://schemas.openxmlformats.org/officeDocument/2006/math">
+                    <m:oMathParaPr>
+                      <m:jc m:val="center"/>
+                    </m:oMathParaPr>
+                    <m:oMath>
+                      <m:r>
+                        <m:t>E</m:t>
+                      </m:r>
+                      <m:r>
+                        <m:t>n</m:t>
+                      </m:r>
+                      <m:r>
+                        <m:t>d</m:t>
+                      </m:r>
+                      <m:r>
+                        <m:rPr>
+                          <m:sty m:val="p"/>
+                        </m:rPr>
+                        <m:t>−</m:t>
+                      </m:r>
+                      <m:r>
+                        <m:t>O</m:t>
+                      </m:r>
+                      <m:r>
+                        <m:t>f</m:t>
+                      </m:r>
+                      <m:r>
+                        <m:rPr>
+                          <m:sty m:val="p"/>
+                        </m:rPr>
+                        <m:t>−</m:t>
+                      </m:r>
+                      <m:r>
+                        <m:t>W</m:t>
+                      </m:r>
+                      <m:r>
+                        <m:t>e</m:t>
+                      </m:r>
+                      <m:r>
+                        <m:t>e</m:t>
+                      </m:r>
+                      <m:r>
+                        <m:t>k</m:t>
+                      </m:r>
+                      <m:r>
+                        <m:rPr>
+                          <m:sty m:val="p"/>
+                        </m:rPr>
+                        <m:t>−</m:t>
+                      </m:r>
+                      <m:r>
+                        <m:t>6</m:t>
+                      </m:r>
+                    </m:oMath>
+                  </m:oMathPara>
+                </a14:m>
+              </a:p>
+            </p:txBody>
+          </p:sp>
+        </mc:Choice>
+      </mc:AlternateContent>
+    </p:spTree>
+  </p:cSld>
+</p:sld>
+</file>
+
 <file path=ppt/slides/slide4.xml><?xml version="1.0" encoding="utf-8"?>
 <p:sld xmlns:a="http://schemas.openxmlformats.org/drawingml/2006/main" xmlns:r="http://schemas.openxmlformats.org/officeDocument/2006/relationships" xmlns:p="http://schemas.openxmlformats.org/presentationml/2006/main">
   <p:cSld>
@@ -3499,6 +5361,356 @@
                 <a:hlinkClick r:id="rId4"/>
               </a:rPr>
               <a:t>PPTX</a:t>
+            </a:r>
+          </a:p>
+        </p:txBody>
+      </p:sp>
+    </p:spTree>
+  </p:cSld>
+</p:sld>
+</file>
+
+<file path=ppt/slides/slide7.xml><?xml version="1.0" encoding="utf-8"?>
+<p:sld xmlns:a="http://schemas.openxmlformats.org/drawingml/2006/main" xmlns:r="http://schemas.openxmlformats.org/officeDocument/2006/relationships" xmlns:p="http://schemas.openxmlformats.org/presentationml/2006/main">
+  <p:cSld>
+    <p:spTree>
+      <p:nvGrpSpPr>
+        <p:cNvPr id="1" name=""/>
+        <p:cNvGrpSpPr/>
+        <p:nvPr/>
+      </p:nvGrpSpPr>
+      <p:grpSpPr>
+        <a:xfrm>
+          <a:off x="0" y="0"/>
+          <a:ext cx="0" cy="0"/>
+          <a:chOff x="0" y="0"/>
+          <a:chExt cx="0" cy="0"/>
+        </a:xfrm>
+      </p:grpSpPr>
+      <p:sp>
+        <p:nvSpPr>
+          <p:cNvPr id="2" name="Title 1"/>
+          <p:cNvSpPr>
+            <a:spLocks noGrp="1"/>
+          </p:cNvSpPr>
+          <p:nvPr>
+            <p:ph type="title"/>
+          </p:nvPr>
+        </p:nvSpPr>
+        <p:spPr/>
+        <p:txBody>
+          <a:bodyPr/>
+          <a:lstStyle/>
+          <a:p>
+            <a:pPr lvl="0" indent="0" marL="0">
+              <a:buNone/>
+            </a:pPr>
+            <a:r>
+              <a:rPr/>
+              <a:t>Outline-1</a:t>
+            </a:r>
+          </a:p>
+        </p:txBody>
+      </p:sp>
+      <p:sp>
+        <p:nvSpPr>
+          <p:cNvPr id="3" name="Content Placeholder 2"/>
+          <p:cNvSpPr>
+            <a:spLocks noGrp="1"/>
+          </p:cNvSpPr>
+          <p:nvPr>
+            <p:ph idx="1"/>
+          </p:nvPr>
+        </p:nvSpPr>
+        <p:spPr/>
+        <p:txBody>
+          <a:bodyPr/>
+          <a:lstStyle/>
+          <a:p>
+            <a:pPr lvl="0"/>
+            <a:r>
+              <a:rPr/>
+              <a:t>Graph Topological Sorting</a:t>
+            </a:r>
+          </a:p>
+          <a:p>
+            <a:pPr lvl="0"/>
+            <a:r>
+              <a:rPr/>
+              <a:t>Graph MST</a:t>
+            </a:r>
+          </a:p>
+          <a:p>
+            <a:pPr lvl="0"/>
+            <a:r>
+              <a:rPr/>
+              <a:t>Graph Backtracking</a:t>
+            </a:r>
+          </a:p>
+          <a:p>
+            <a:pPr lvl="1"/>
+            <a:r>
+              <a:rPr/>
+              <a:t>Tug of War</a:t>
+            </a:r>
+          </a:p>
+          <a:p>
+            <a:pPr lvl="1"/>
+            <a:r>
+              <a:rPr/>
+              <a:t>n-Queen’s Problem</a:t>
+            </a:r>
+          </a:p>
+          <a:p>
+            <a:pPr lvl="1"/>
+            <a:r>
+              <a:rPr/>
+              <a:t>m Coloring Problem</a:t>
+            </a:r>
+          </a:p>
+          <a:p>
+            <a:pPr lvl="1"/>
+            <a:r>
+              <a:rPr/>
+              <a:t>Euler &amp; Hamiltonian Path</a:t>
+            </a:r>
+          </a:p>
+        </p:txBody>
+      </p:sp>
+    </p:spTree>
+  </p:cSld>
+</p:sld>
+</file>
+
+<file path=ppt/slides/slide8.xml><?xml version="1.0" encoding="utf-8"?>
+<p:sld xmlns:a="http://schemas.openxmlformats.org/drawingml/2006/main" xmlns:r="http://schemas.openxmlformats.org/officeDocument/2006/relationships" xmlns:p="http://schemas.openxmlformats.org/presentationml/2006/main">
+  <p:cSld>
+    <p:spTree>
+      <p:nvGrpSpPr>
+        <p:cNvPr id="1" name=""/>
+        <p:cNvGrpSpPr/>
+        <p:nvPr/>
+      </p:nvGrpSpPr>
+      <p:grpSpPr>
+        <a:xfrm>
+          <a:off x="0" y="0"/>
+          <a:ext cx="0" cy="0"/>
+          <a:chOff x="0" y="0"/>
+          <a:chExt cx="0" cy="0"/>
+        </a:xfrm>
+      </p:grpSpPr>
+      <p:sp>
+        <p:nvSpPr>
+          <p:cNvPr id="2" name="Title 1"/>
+          <p:cNvSpPr>
+            <a:spLocks noGrp="1"/>
+          </p:cNvSpPr>
+          <p:nvPr>
+            <p:ph type="title"/>
+          </p:nvPr>
+        </p:nvSpPr>
+        <p:spPr/>
+        <p:txBody>
+          <a:bodyPr/>
+          <a:lstStyle/>
+          <a:p>
+            <a:pPr lvl="0" indent="0" marL="0">
+              <a:buNone/>
+            </a:pPr>
+            <a:r>
+              <a:rPr/>
+              <a:t>Outline-2</a:t>
+            </a:r>
+          </a:p>
+        </p:txBody>
+      </p:sp>
+      <p:sp>
+        <p:nvSpPr>
+          <p:cNvPr id="3" name="Content Placeholder 2"/>
+          <p:cNvSpPr>
+            <a:spLocks noGrp="1"/>
+          </p:cNvSpPr>
+          <p:nvPr>
+            <p:ph idx="1"/>
+          </p:nvPr>
+        </p:nvSpPr>
+        <p:spPr/>
+        <p:txBody>
+          <a:bodyPr/>
+          <a:lstStyle/>
+          <a:p>
+            <a:pPr lvl="0"/>
+            <a:r>
+              <a:rPr/>
+              <a:t>Graph Sortest Paths</a:t>
+            </a:r>
+          </a:p>
+          <a:p>
+            <a:pPr lvl="0"/>
+            <a:r>
+              <a:rPr/>
+              <a:t>Graph Connectivity - SCC</a:t>
+            </a:r>
+          </a:p>
+          <a:p>
+            <a:pPr lvl="0"/>
+            <a:r>
+              <a:rPr/>
+              <a:t>Graph Max Flow</a:t>
+            </a:r>
+          </a:p>
+          <a:p>
+            <a:pPr lvl="0"/>
+            <a:r>
+              <a:rPr/>
+              <a:t>Graph Isomorphism</a:t>
+            </a:r>
+          </a:p>
+          <a:p>
+            <a:pPr lvl="0"/>
+            <a:r>
+              <a:rPr/>
+              <a:t>Graph canonization</a:t>
+            </a:r>
+          </a:p>
+          <a:p>
+            <a:pPr lvl="0"/>
+            <a:r>
+              <a:rPr/>
+              <a:t>Graph Cuts</a:t>
+            </a:r>
+          </a:p>
+          <a:p>
+            <a:pPr lvl="1"/>
+            <a:r>
+              <a:rPr/>
+              <a:t>Min Cut</a:t>
+            </a:r>
+          </a:p>
+          <a:p>
+            <a:pPr lvl="1"/>
+            <a:r>
+              <a:rPr/>
+              <a:t>Max Cut</a:t>
+            </a:r>
+          </a:p>
+        </p:txBody>
+      </p:sp>
+    </p:spTree>
+  </p:cSld>
+</p:sld>
+</file>
+
+<file path=ppt/slides/slide9.xml><?xml version="1.0" encoding="utf-8"?>
+<p:sld xmlns:a="http://schemas.openxmlformats.org/drawingml/2006/main" xmlns:r="http://schemas.openxmlformats.org/officeDocument/2006/relationships" xmlns:p="http://schemas.openxmlformats.org/presentationml/2006/main">
+  <p:cSld>
+    <p:spTree>
+      <p:nvGrpSpPr>
+        <p:cNvPr id="1" name=""/>
+        <p:cNvGrpSpPr/>
+        <p:nvPr/>
+      </p:nvGrpSpPr>
+      <p:grpSpPr>
+        <a:xfrm>
+          <a:off x="0" y="0"/>
+          <a:ext cx="0" cy="0"/>
+          <a:chOff x="0" y="0"/>
+          <a:chExt cx="0" cy="0"/>
+        </a:xfrm>
+      </p:grpSpPr>
+      <p:sp>
+        <p:nvSpPr>
+          <p:cNvPr id="2" name="Title 1"/>
+          <p:cNvSpPr>
+            <a:spLocks noGrp="1"/>
+          </p:cNvSpPr>
+          <p:nvPr>
+            <p:ph type="title"/>
+          </p:nvPr>
+        </p:nvSpPr>
+        <p:spPr/>
+        <p:txBody>
+          <a:bodyPr/>
+          <a:lstStyle/>
+          <a:p>
+            <a:pPr lvl="0" indent="0" marL="0">
+              <a:buNone/>
+            </a:pPr>
+            <a:r>
+              <a:rPr/>
+              <a:t>Outline-3</a:t>
+            </a:r>
+          </a:p>
+        </p:txBody>
+      </p:sp>
+      <p:sp>
+        <p:nvSpPr>
+          <p:cNvPr id="3" name="Content Placeholder 2"/>
+          <p:cNvSpPr>
+            <a:spLocks noGrp="1"/>
+          </p:cNvSpPr>
+          <p:nvPr>
+            <p:ph idx="1"/>
+          </p:nvPr>
+        </p:nvSpPr>
+        <p:spPr/>
+        <p:txBody>
+          <a:bodyPr/>
+          <a:lstStyle/>
+          <a:p>
+            <a:pPr lvl="0"/>
+            <a:r>
+              <a:rPr/>
+              <a:t>Alpha-Beta Pruning</a:t>
+            </a:r>
+          </a:p>
+          <a:p>
+            <a:pPr lvl="0"/>
+            <a:r>
+              <a:rPr/>
+              <a:t>Hasse Diagrams</a:t>
+            </a:r>
+          </a:p>
+          <a:p>
+            <a:pPr lvl="0"/>
+            <a:r>
+              <a:rPr/>
+              <a:t>Petri Nets</a:t>
+            </a:r>
+          </a:p>
+          <a:p>
+            <a:pPr lvl="0"/>
+            <a:r>
+              <a:rPr/>
+              <a:t>Bipartite Graphs</a:t>
+            </a:r>
+          </a:p>
+          <a:p>
+            <a:pPr lvl="0"/>
+            <a:r>
+              <a:rPr/>
+              <a:t>Cycle Detection</a:t>
+            </a:r>
+          </a:p>
+          <a:p>
+            <a:pPr lvl="1"/>
+            <a:r>
+              <a:rPr/>
+              <a:t>Brent’s Algorithm</a:t>
+            </a:r>
+          </a:p>
+          <a:p>
+            <a:pPr lvl="1"/>
+            <a:r>
+              <a:rPr/>
+              <a:t>Hare and Tortoise Algorithm</a:t>
+            </a:r>
+          </a:p>
+          <a:p>
+            <a:pPr lvl="0"/>
+            <a:r>
+              <a:rPr/>
+              <a:t>Bayesian Network</a:t>
             </a:r>
           </a:p>
         </p:txBody>
